--- a/OLS_vs_MSE.pptx
+++ b/OLS_vs_MSE.pptx
@@ -259,7 +259,7 @@
           <a:p>
             <a:fld id="{908C74AF-1733-4B4B-B09C-59BAFB05D09B}" type="datetimeFigureOut">
               <a:rPr lang="it-IT" smtClean="0"/>
-              <a:t>14/09/2025</a:t>
+              <a:t>15/09/2025</a:t>
             </a:fld>
             <a:endParaRPr lang="it-IT"/>
           </a:p>
@@ -457,7 +457,7 @@
           <a:p>
             <a:fld id="{908C74AF-1733-4B4B-B09C-59BAFB05D09B}" type="datetimeFigureOut">
               <a:rPr lang="it-IT" smtClean="0"/>
-              <a:t>14/09/2025</a:t>
+              <a:t>15/09/2025</a:t>
             </a:fld>
             <a:endParaRPr lang="it-IT"/>
           </a:p>
@@ -665,7 +665,7 @@
           <a:p>
             <a:fld id="{908C74AF-1733-4B4B-B09C-59BAFB05D09B}" type="datetimeFigureOut">
               <a:rPr lang="it-IT" smtClean="0"/>
-              <a:t>14/09/2025</a:t>
+              <a:t>15/09/2025</a:t>
             </a:fld>
             <a:endParaRPr lang="it-IT"/>
           </a:p>
@@ -863,7 +863,7 @@
           <a:p>
             <a:fld id="{908C74AF-1733-4B4B-B09C-59BAFB05D09B}" type="datetimeFigureOut">
               <a:rPr lang="it-IT" smtClean="0"/>
-              <a:t>14/09/2025</a:t>
+              <a:t>15/09/2025</a:t>
             </a:fld>
             <a:endParaRPr lang="it-IT"/>
           </a:p>
@@ -1138,7 +1138,7 @@
           <a:p>
             <a:fld id="{908C74AF-1733-4B4B-B09C-59BAFB05D09B}" type="datetimeFigureOut">
               <a:rPr lang="it-IT" smtClean="0"/>
-              <a:t>14/09/2025</a:t>
+              <a:t>15/09/2025</a:t>
             </a:fld>
             <a:endParaRPr lang="it-IT"/>
           </a:p>
@@ -1403,7 +1403,7 @@
           <a:p>
             <a:fld id="{908C74AF-1733-4B4B-B09C-59BAFB05D09B}" type="datetimeFigureOut">
               <a:rPr lang="it-IT" smtClean="0"/>
-              <a:t>14/09/2025</a:t>
+              <a:t>15/09/2025</a:t>
             </a:fld>
             <a:endParaRPr lang="it-IT"/>
           </a:p>
@@ -1815,7 +1815,7 @@
           <a:p>
             <a:fld id="{908C74AF-1733-4B4B-B09C-59BAFB05D09B}" type="datetimeFigureOut">
               <a:rPr lang="it-IT" smtClean="0"/>
-              <a:t>14/09/2025</a:t>
+              <a:t>15/09/2025</a:t>
             </a:fld>
             <a:endParaRPr lang="it-IT"/>
           </a:p>
@@ -1956,7 +1956,7 @@
           <a:p>
             <a:fld id="{908C74AF-1733-4B4B-B09C-59BAFB05D09B}" type="datetimeFigureOut">
               <a:rPr lang="it-IT" smtClean="0"/>
-              <a:t>14/09/2025</a:t>
+              <a:t>15/09/2025</a:t>
             </a:fld>
             <a:endParaRPr lang="it-IT"/>
           </a:p>
@@ -2069,7 +2069,7 @@
           <a:p>
             <a:fld id="{908C74AF-1733-4B4B-B09C-59BAFB05D09B}" type="datetimeFigureOut">
               <a:rPr lang="it-IT" smtClean="0"/>
-              <a:t>14/09/2025</a:t>
+              <a:t>15/09/2025</a:t>
             </a:fld>
             <a:endParaRPr lang="it-IT"/>
           </a:p>
@@ -2380,7 +2380,7 @@
           <a:p>
             <a:fld id="{908C74AF-1733-4B4B-B09C-59BAFB05D09B}" type="datetimeFigureOut">
               <a:rPr lang="it-IT" smtClean="0"/>
-              <a:t>14/09/2025</a:t>
+              <a:t>15/09/2025</a:t>
             </a:fld>
             <a:endParaRPr lang="it-IT"/>
           </a:p>
@@ -2668,7 +2668,7 @@
           <a:p>
             <a:fld id="{908C74AF-1733-4B4B-B09C-59BAFB05D09B}" type="datetimeFigureOut">
               <a:rPr lang="it-IT" smtClean="0"/>
-              <a:t>14/09/2025</a:t>
+              <a:t>15/09/2025</a:t>
             </a:fld>
             <a:endParaRPr lang="it-IT"/>
           </a:p>
@@ -2909,7 +2909,7 @@
           <a:p>
             <a:fld id="{908C74AF-1733-4B4B-B09C-59BAFB05D09B}" type="datetimeFigureOut">
               <a:rPr lang="it-IT" smtClean="0"/>
-              <a:t>14/09/2025</a:t>
+              <a:t>15/09/2025</a:t>
             </a:fld>
             <a:endParaRPr lang="it-IT"/>
           </a:p>
@@ -3495,7 +3495,7 @@
         </p:nvGrpSpPr>
         <p:grpSpPr>
           <a:xfrm>
-            <a:off x="100173" y="16673"/>
+            <a:off x="108429" y="54525"/>
             <a:ext cx="4772438" cy="3282889"/>
             <a:chOff x="100173" y="16673"/>
             <a:chExt cx="4772438" cy="3282889"/>
@@ -3545,7 +3545,7 @@
           </p:nvSpPr>
           <p:spPr>
             <a:xfrm>
-              <a:off x="2572492" y="984902"/>
+              <a:off x="2298320" y="758871"/>
               <a:ext cx="583359" cy="218152"/>
             </a:xfrm>
             <a:prstGeom prst="rect">
